--- a/services/django/OmniTemplateTest.pptx
+++ b/services/django/OmniTemplateTest.pptx
@@ -5,26 +5,25 @@
     <p:sldMasterId id="2147483648" r:id="rId1"/>
   </p:sldMasterIdLst>
   <p:notesMasterIdLst>
-    <p:notesMasterId r:id="rId4"/>
+    <p:notesMasterId r:id="rId3"/>
   </p:notesMasterIdLst>
   <p:sldIdLst>
     <p:sldId id="278" r:id="rId2"/>
-    <p:sldId id="324" r:id="rId3"/>
   </p:sldIdLst>
   <p:sldSz cx="12192000" cy="6858000"/>
   <p:notesSz cx="6858000" cy="9144000"/>
   <p:embeddedFontLst>
     <p:embeddedFont>
       <p:font typeface="Open Sans" panose="020B0606030504020204" pitchFamily="34" charset="0"/>
-      <p:regular r:id="rId5"/>
-      <p:bold r:id="rId6"/>
-      <p:italic r:id="rId7"/>
-      <p:boldItalic r:id="rId8"/>
+      <p:regular r:id="rId4"/>
+      <p:bold r:id="rId5"/>
+      <p:italic r:id="rId6"/>
+      <p:boldItalic r:id="rId7"/>
     </p:embeddedFont>
     <p:embeddedFont>
       <p:font typeface="Open Sans Light" panose="020B0306030504020204" pitchFamily="34" charset="0"/>
-      <p:regular r:id="rId9"/>
-      <p:italic r:id="rId10"/>
+      <p:regular r:id="rId8"/>
+      <p:italic r:id="rId9"/>
     </p:embeddedFont>
   </p:embeddedFontLst>
   <p:defaultTextStyle>
@@ -5675,10 +5674,7 @@
           <a:bodyPr/>
           <a:lstStyle/>
           <a:p>
-            <a:r>
-              <a:rPr lang="en-US" dirty="0"/>
-              <a:t>Digital Content</a:t>
-            </a:r>
+            <a:endParaRPr dirty="0"/>
           </a:p>
         </p:txBody>
       </p:sp>
@@ -5703,7 +5699,7 @@
           <a:bodyPr/>
           <a:lstStyle/>
           <a:p>
-            <a:endParaRPr lang="en-US" dirty="0"/>
+            <a:endParaRPr dirty="0"/>
           </a:p>
         </p:txBody>
       </p:sp>
@@ -5766,143 +5762,6 @@
     <p:extLst>
       <p:ext uri="{BB962C8B-B14F-4D97-AF65-F5344CB8AC3E}">
         <p14:creationId xmlns:p14="http://schemas.microsoft.com/office/powerpoint/2010/main" val="4079989963"/>
-      </p:ext>
-    </p:extLst>
-  </p:cSld>
-  <p:clrMapOvr>
-    <a:masterClrMapping/>
-  </p:clrMapOvr>
-</p:sld>
-</file>
-
-<file path=ppt/slides/slide2.xml><?xml version="1.0" encoding="utf-8"?>
-<p:sld xmlns:a="http://schemas.openxmlformats.org/drawingml/2006/main" xmlns:r="http://schemas.openxmlformats.org/officeDocument/2006/relationships" xmlns:p="http://schemas.openxmlformats.org/presentationml/2006/main">
-  <p:cSld>
-    <p:spTree>
-      <p:nvGrpSpPr>
-        <p:cNvPr id="1" name=""/>
-        <p:cNvGrpSpPr/>
-        <p:nvPr/>
-      </p:nvGrpSpPr>
-      <p:grpSpPr>
-        <a:xfrm>
-          <a:off x="0" y="0"/>
-          <a:ext cx="0" cy="0"/>
-          <a:chOff x="0" y="0"/>
-          <a:chExt cx="0" cy="0"/>
-        </a:xfrm>
-      </p:grpSpPr>
-      <p:sp>
-        <p:nvSpPr>
-          <p:cNvPr id="2" name="Title 1">
-            <a:extLst>
-              <a:ext uri="{FF2B5EF4-FFF2-40B4-BE49-F238E27FC236}">
-                <a16:creationId xmlns:a16="http://schemas.microsoft.com/office/drawing/2014/main" id="{622A4E34-1F02-4E47-9DE7-5877312CB588}"/>
-              </a:ext>
-            </a:extLst>
-          </p:cNvPr>
-          <p:cNvSpPr>
-            <a:spLocks noGrp="1"/>
-          </p:cNvSpPr>
-          <p:nvPr>
-            <p:ph type="title"/>
-          </p:nvPr>
-        </p:nvSpPr>
-        <p:spPr/>
-        <p:txBody>
-          <a:bodyPr/>
-          <a:lstStyle/>
-          <a:p>
-            <a:endParaRPr lang="en-US" dirty="0"/>
-          </a:p>
-        </p:txBody>
-      </p:sp>
-      <p:sp>
-        <p:nvSpPr>
-          <p:cNvPr id="3" name="Content Placeholder 2">
-            <a:extLst>
-              <a:ext uri="{FF2B5EF4-FFF2-40B4-BE49-F238E27FC236}">
-                <a16:creationId xmlns:a16="http://schemas.microsoft.com/office/drawing/2014/main" id="{4D497615-5AE8-9649-8503-155B2C6949F2}"/>
-              </a:ext>
-            </a:extLst>
-          </p:cNvPr>
-          <p:cNvSpPr>
-            <a:spLocks noGrp="1"/>
-          </p:cNvSpPr>
-          <p:nvPr>
-            <p:ph idx="1"/>
-          </p:nvPr>
-        </p:nvSpPr>
-        <p:spPr/>
-        <p:txBody>
-          <a:bodyPr>
-            <a:normAutofit/>
-          </a:bodyPr>
-          <a:lstStyle/>
-          <a:p>
-            <a:pPr algn="ctr"/>
-            <a:endParaRPr lang="en-US" sz="3200" dirty="0"/>
-          </a:p>
-        </p:txBody>
-      </p:sp>
-      <p:sp>
-        <p:nvSpPr>
-          <p:cNvPr id="4" name="Footer Placeholder 3">
-            <a:extLst>
-              <a:ext uri="{FF2B5EF4-FFF2-40B4-BE49-F238E27FC236}">
-                <a16:creationId xmlns:a16="http://schemas.microsoft.com/office/drawing/2014/main" id="{8A8412DB-5B35-7542-9538-2C09CF000210}"/>
-              </a:ext>
-            </a:extLst>
-          </p:cNvPr>
-          <p:cNvSpPr>
-            <a:spLocks noGrp="1"/>
-          </p:cNvSpPr>
-          <p:nvPr>
-            <p:ph type="ftr" sz="quarter" idx="11"/>
-          </p:nvPr>
-        </p:nvSpPr>
-        <p:spPr/>
-        <p:txBody>
-          <a:bodyPr/>
-          <a:lstStyle/>
-          <a:p>
-            <a:endParaRPr lang="en-US"/>
-          </a:p>
-        </p:txBody>
-      </p:sp>
-      <p:sp>
-        <p:nvSpPr>
-          <p:cNvPr id="5" name="Slide Number Placeholder 4">
-            <a:extLst>
-              <a:ext uri="{FF2B5EF4-FFF2-40B4-BE49-F238E27FC236}">
-                <a16:creationId xmlns:a16="http://schemas.microsoft.com/office/drawing/2014/main" id="{7854510E-1431-8A4E-B31E-9DA84653A1DB}"/>
-              </a:ext>
-            </a:extLst>
-          </p:cNvPr>
-          <p:cNvSpPr>
-            <a:spLocks noGrp="1"/>
-          </p:cNvSpPr>
-          <p:nvPr>
-            <p:ph type="sldNum" sz="quarter" idx="12"/>
-          </p:nvPr>
-        </p:nvSpPr>
-        <p:spPr/>
-        <p:txBody>
-          <a:bodyPr/>
-          <a:lstStyle/>
-          <a:p>
-            <a:fld id="{768F8E6F-C3C5-C24C-AAB6-6B85F0AFF1AF}" type="slidenum">
-              <a:rPr lang="en-US" smtClean="0"/>
-              <a:t>2</a:t>
-            </a:fld>
-            <a:endParaRPr lang="en-US"/>
-          </a:p>
-        </p:txBody>
-      </p:sp>
-    </p:spTree>
-    <p:extLst>
-      <p:ext uri="{BB962C8B-B14F-4D97-AF65-F5344CB8AC3E}">
-        <p14:creationId xmlns:p14="http://schemas.microsoft.com/office/powerpoint/2010/main" val="2002147830"/>
       </p:ext>
     </p:extLst>
   </p:cSld>
